--- a/optimization-methods-for-artificial-intelligence/ml-hyperparameter-optimization-automl.pptx
+++ b/optimization-methods-for-artificial-intelligence/ml-hyperparameter-optimization-automl.pptx
@@ -17,7 +17,8 @@
     <p:sldId id="267" r:id="rId11"/>
     <p:sldId id="266" r:id="rId12"/>
     <p:sldId id="270" r:id="rId13"/>
-    <p:sldId id="269" r:id="rId14"/>
+    <p:sldId id="271" r:id="rId14"/>
+    <p:sldId id="269" r:id="rId15"/>
   </p:sldIdLst>
   <p:sldSz cx="12192000" cy="6858000"/>
   <p:notesSz cx="6858000" cy="9144000"/>
@@ -2839,6 +2840,208 @@
       </p:grpSpPr>
       <p:sp>
         <p:nvSpPr>
+          <p:cNvPr id="2" name="Titre 1">
+            <a:extLst>
+              <a:ext uri="{FF2B5EF4-FFF2-40B4-BE49-F238E27FC236}">
+                <a16:creationId xmlns:a16="http://schemas.microsoft.com/office/drawing/2014/main" id="{BD9938DC-4497-4AE4-9458-6276D3B7A5EE}"/>
+              </a:ext>
+            </a:extLst>
+          </p:cNvPr>
+          <p:cNvSpPr>
+            <a:spLocks noGrp="1"/>
+          </p:cNvSpPr>
+          <p:nvPr>
+            <p:ph type="title"/>
+          </p:nvPr>
+        </p:nvSpPr>
+        <p:spPr/>
+        <p:txBody>
+          <a:bodyPr/>
+          <a:lstStyle/>
+          <a:p>
+            <a:r>
+              <a:rPr lang="en-US" dirty="0"/>
+              <a:t>Auto…optimization?</a:t>
+            </a:r>
+          </a:p>
+        </p:txBody>
+      </p:sp>
+      <p:sp>
+        <p:nvSpPr>
+          <p:cNvPr id="3" name="Espace réservé du texte 2">
+            <a:extLst>
+              <a:ext uri="{FF2B5EF4-FFF2-40B4-BE49-F238E27FC236}">
+                <a16:creationId xmlns:a16="http://schemas.microsoft.com/office/drawing/2014/main" id="{C5F26AAF-0C8E-4DD7-9754-0F918A7DC63A}"/>
+              </a:ext>
+            </a:extLst>
+          </p:cNvPr>
+          <p:cNvSpPr>
+            <a:spLocks noGrp="1"/>
+          </p:cNvSpPr>
+          <p:nvPr>
+            <p:ph type="body" sz="quarter" idx="10"/>
+          </p:nvPr>
+        </p:nvSpPr>
+        <p:spPr/>
+        <p:txBody>
+          <a:bodyPr/>
+          <a:lstStyle/>
+          <a:p>
+            <a:r>
+              <a:rPr lang="en-US" dirty="0"/>
+              <a:t>Meta-optimization</a:t>
+            </a:r>
+          </a:p>
+          <a:p>
+            <a:r>
+              <a:rPr lang="en-US" dirty="0"/>
+              <a:t>“Algorithm selection”/ “Automated algorithm design”</a:t>
+            </a:r>
+          </a:p>
+          <a:p>
+            <a:pPr lvl="1"/>
+            <a:r>
+              <a:rPr lang="en-US" dirty="0"/>
+              <a:t>Finding the best algorithm for the target optimization problem</a:t>
+            </a:r>
+          </a:p>
+          <a:p>
+            <a:pPr lvl="1"/>
+            <a:r>
+              <a:rPr lang="en-US" dirty="0"/>
+              <a:t>Carola </a:t>
+            </a:r>
+            <a:r>
+              <a:rPr lang="en-US" dirty="0" err="1"/>
+              <a:t>Doerr</a:t>
+            </a:r>
+            <a:r>
+              <a:rPr lang="en-US" dirty="0"/>
+              <a:t> (CNRS) is one of the leading experts out there</a:t>
+            </a:r>
+          </a:p>
+          <a:p>
+            <a:pPr lvl="1"/>
+            <a:r>
+              <a:rPr lang="en-US" dirty="0"/>
+              <a:t>Olivier </a:t>
+            </a:r>
+            <a:r>
+              <a:rPr lang="en-US" dirty="0" err="1"/>
+              <a:t>Teytaud</a:t>
+            </a:r>
+            <a:r>
+              <a:rPr lang="en-US" dirty="0"/>
+              <a:t> (Facebook) works on implementation</a:t>
+            </a:r>
+          </a:p>
+          <a:p>
+            <a:r>
+              <a:rPr lang="en-US" dirty="0" err="1"/>
+              <a:t>Dagstuhl</a:t>
+            </a:r>
+            <a:r>
+              <a:rPr lang="en-US" dirty="0"/>
+              <a:t> seminars discuss the state of the art</a:t>
+            </a:r>
+          </a:p>
+          <a:p>
+            <a:endParaRPr lang="en-US" dirty="0"/>
+          </a:p>
+        </p:txBody>
+      </p:sp>
+      <p:pic>
+        <p:nvPicPr>
+          <p:cNvPr id="5" name="Image 4">
+            <a:extLst>
+              <a:ext uri="{FF2B5EF4-FFF2-40B4-BE49-F238E27FC236}">
+                <a16:creationId xmlns:a16="http://schemas.microsoft.com/office/drawing/2014/main" id="{2FC9514C-3FC2-4866-B414-91B1E21F9B55}"/>
+              </a:ext>
+            </a:extLst>
+          </p:cNvPr>
+          <p:cNvPicPr>
+            <a:picLocks noChangeAspect="1"/>
+          </p:cNvPicPr>
+          <p:nvPr/>
+        </p:nvPicPr>
+        <p:blipFill>
+          <a:blip r:embed="rId2"/>
+          <a:stretch>
+            <a:fillRect/>
+          </a:stretch>
+        </p:blipFill>
+        <p:spPr>
+          <a:xfrm>
+            <a:off x="1197204" y="4451304"/>
+            <a:ext cx="10994796" cy="1284588"/>
+          </a:xfrm>
+          <a:prstGeom prst="rect">
+            <a:avLst/>
+          </a:prstGeom>
+        </p:spPr>
+      </p:pic>
+      <p:pic>
+        <p:nvPicPr>
+          <p:cNvPr id="6" name="Image 5">
+            <a:extLst>
+              <a:ext uri="{FF2B5EF4-FFF2-40B4-BE49-F238E27FC236}">
+                <a16:creationId xmlns:a16="http://schemas.microsoft.com/office/drawing/2014/main" id="{B0B01944-4C04-482A-86B8-687311B7040D}"/>
+              </a:ext>
+            </a:extLst>
+          </p:cNvPr>
+          <p:cNvPicPr>
+            <a:picLocks noChangeAspect="1"/>
+          </p:cNvPicPr>
+          <p:nvPr/>
+        </p:nvPicPr>
+        <p:blipFill>
+          <a:blip r:embed="rId3"/>
+          <a:stretch>
+            <a:fillRect/>
+          </a:stretch>
+        </p:blipFill>
+        <p:spPr>
+          <a:xfrm>
+            <a:off x="1197204" y="5619134"/>
+            <a:ext cx="10994796" cy="1237306"/>
+          </a:xfrm>
+          <a:prstGeom prst="rect">
+            <a:avLst/>
+          </a:prstGeom>
+        </p:spPr>
+      </p:pic>
+    </p:spTree>
+    <p:extLst>
+      <p:ext uri="{BB962C8B-B14F-4D97-AF65-F5344CB8AC3E}">
+        <p14:creationId xmlns:p14="http://schemas.microsoft.com/office/powerpoint/2010/main" val="428189865"/>
+      </p:ext>
+    </p:extLst>
+  </p:cSld>
+  <p:clrMapOvr>
+    <a:masterClrMapping/>
+  </p:clrMapOvr>
+</p:sld>
+</file>
+
+<file path=ppt/slides/slide14.xml><?xml version="1.0" encoding="utf-8"?>
+<p:sld xmlns:a="http://schemas.openxmlformats.org/drawingml/2006/main" xmlns:r="http://schemas.openxmlformats.org/officeDocument/2006/relationships" xmlns:p="http://schemas.openxmlformats.org/presentationml/2006/main">
+  <p:cSld>
+    <p:spTree>
+      <p:nvGrpSpPr>
+        <p:cNvPr id="1" name=""/>
+        <p:cNvGrpSpPr/>
+        <p:nvPr/>
+      </p:nvGrpSpPr>
+      <p:grpSpPr>
+        <a:xfrm>
+          <a:off x="0" y="0"/>
+          <a:ext cx="0" cy="0"/>
+          <a:chOff x="0" y="0"/>
+          <a:chExt cx="0" cy="0"/>
+        </a:xfrm>
+      </p:grpSpPr>
+      <p:sp>
+        <p:nvSpPr>
           <p:cNvPr id="4" name="Titre 3">
             <a:extLst>
               <a:ext uri="{FF2B5EF4-FFF2-40B4-BE49-F238E27FC236}">

--- a/optimization-methods-for-artificial-intelligence/ml-hyperparameter-optimization-automl.pptx
+++ b/optimization-methods-for-artificial-intelligence/ml-hyperparameter-optimization-automl.pptx
@@ -3339,6 +3339,12 @@
               <a:rPr lang="it-IT" dirty="0"/>
               <a:t>AutoML</a:t>
             </a:r>
+          </a:p>
+          <a:p>
+            <a:r>
+              <a:rPr lang="it-IT" dirty="0"/>
+              <a:t>Auto...optimization?</a:t>
+            </a:r>
             <a:endParaRPr lang="fr-FR" dirty="0"/>
           </a:p>
         </p:txBody>
